--- a/Capstone_Project_Presentation.pptx
+++ b/Capstone_Project_Presentation.pptx
@@ -10,7 +10,11 @@
     <p:sldId id="259" r:id="rId4"/>
     <p:sldId id="260" r:id="rId5"/>
     <p:sldId id="261" r:id="rId6"/>
-    <p:sldId id="263" r:id="rId7"/>
+    <p:sldId id="266" r:id="rId7"/>
+    <p:sldId id="267" r:id="rId8"/>
+    <p:sldId id="268" r:id="rId9"/>
+    <p:sldId id="263" r:id="rId10"/>
+    <p:sldId id="265" r:id="rId11"/>
   </p:sldIdLst>
   <p:sldSz cx="12192000" cy="6858000"/>
   <p:notesSz cx="6858000" cy="9144000"/>
@@ -248,7 +252,7 @@
           <a:p>
             <a:fld id="{515B620F-CCA7-F24D-8499-0C98B0D61AF3}" type="datetimeFigureOut">
               <a:rPr lang="en-US" smtClean="0"/>
-              <a:t>10/20/18</a:t>
+              <a:t>10/21/18</a:t>
             </a:fld>
             <a:endParaRPr lang="en-US"/>
           </a:p>
@@ -418,7 +422,7 @@
           <a:p>
             <a:fld id="{515B620F-CCA7-F24D-8499-0C98B0D61AF3}" type="datetimeFigureOut">
               <a:rPr lang="en-US" smtClean="0"/>
-              <a:t>10/20/18</a:t>
+              <a:t>10/21/18</a:t>
             </a:fld>
             <a:endParaRPr lang="en-US"/>
           </a:p>
@@ -598,7 +602,7 @@
           <a:p>
             <a:fld id="{515B620F-CCA7-F24D-8499-0C98B0D61AF3}" type="datetimeFigureOut">
               <a:rPr lang="en-US" smtClean="0"/>
-              <a:t>10/20/18</a:t>
+              <a:t>10/21/18</a:t>
             </a:fld>
             <a:endParaRPr lang="en-US"/>
           </a:p>
@@ -768,7 +772,7 @@
           <a:p>
             <a:fld id="{515B620F-CCA7-F24D-8499-0C98B0D61AF3}" type="datetimeFigureOut">
               <a:rPr lang="en-US" smtClean="0"/>
-              <a:t>10/20/18</a:t>
+              <a:t>10/21/18</a:t>
             </a:fld>
             <a:endParaRPr lang="en-US"/>
           </a:p>
@@ -1014,7 +1018,7 @@
           <a:p>
             <a:fld id="{515B620F-CCA7-F24D-8499-0C98B0D61AF3}" type="datetimeFigureOut">
               <a:rPr lang="en-US" smtClean="0"/>
-              <a:t>10/20/18</a:t>
+              <a:t>10/21/18</a:t>
             </a:fld>
             <a:endParaRPr lang="en-US"/>
           </a:p>
@@ -1246,7 +1250,7 @@
           <a:p>
             <a:fld id="{515B620F-CCA7-F24D-8499-0C98B0D61AF3}" type="datetimeFigureOut">
               <a:rPr lang="en-US" smtClean="0"/>
-              <a:t>10/20/18</a:t>
+              <a:t>10/21/18</a:t>
             </a:fld>
             <a:endParaRPr lang="en-US"/>
           </a:p>
@@ -1613,7 +1617,7 @@
           <a:p>
             <a:fld id="{515B620F-CCA7-F24D-8499-0C98B0D61AF3}" type="datetimeFigureOut">
               <a:rPr lang="en-US" smtClean="0"/>
-              <a:t>10/20/18</a:t>
+              <a:t>10/21/18</a:t>
             </a:fld>
             <a:endParaRPr lang="en-US"/>
           </a:p>
@@ -1731,7 +1735,7 @@
           <a:p>
             <a:fld id="{515B620F-CCA7-F24D-8499-0C98B0D61AF3}" type="datetimeFigureOut">
               <a:rPr lang="en-US" smtClean="0"/>
-              <a:t>10/20/18</a:t>
+              <a:t>10/21/18</a:t>
             </a:fld>
             <a:endParaRPr lang="en-US"/>
           </a:p>
@@ -1826,7 +1830,7 @@
           <a:p>
             <a:fld id="{515B620F-CCA7-F24D-8499-0C98B0D61AF3}" type="datetimeFigureOut">
               <a:rPr lang="en-US" smtClean="0"/>
-              <a:t>10/20/18</a:t>
+              <a:t>10/21/18</a:t>
             </a:fld>
             <a:endParaRPr lang="en-US"/>
           </a:p>
@@ -2103,7 +2107,7 @@
           <a:p>
             <a:fld id="{515B620F-CCA7-F24D-8499-0C98B0D61AF3}" type="datetimeFigureOut">
               <a:rPr lang="en-US" smtClean="0"/>
-              <a:t>10/20/18</a:t>
+              <a:t>10/21/18</a:t>
             </a:fld>
             <a:endParaRPr lang="en-US"/>
           </a:p>
@@ -2356,7 +2360,7 @@
           <a:p>
             <a:fld id="{515B620F-CCA7-F24D-8499-0C98B0D61AF3}" type="datetimeFigureOut">
               <a:rPr lang="en-US" smtClean="0"/>
-              <a:t>10/20/18</a:t>
+              <a:t>10/21/18</a:t>
             </a:fld>
             <a:endParaRPr lang="en-US"/>
           </a:p>
@@ -2569,7 +2573,7 @@
           <a:p>
             <a:fld id="{515B620F-CCA7-F24D-8499-0C98B0D61AF3}" type="datetimeFigureOut">
               <a:rPr lang="en-US" smtClean="0"/>
-              <a:t>10/20/18</a:t>
+              <a:t>10/21/18</a:t>
             </a:fld>
             <a:endParaRPr lang="en-US"/>
           </a:p>
@@ -3037,6 +3041,132 @@
 </p:sld>
 </file>
 
+<file path=ppt/slides/slide10.xml><?xml version="1.0" encoding="utf-8"?>
+<p:sld xmlns:a="http://schemas.openxmlformats.org/drawingml/2006/main" xmlns:r="http://schemas.openxmlformats.org/officeDocument/2006/relationships" xmlns:p="http://schemas.openxmlformats.org/presentationml/2006/main">
+  <p:cSld>
+    <p:spTree>
+      <p:nvGrpSpPr>
+        <p:cNvPr id="1" name=""/>
+        <p:cNvGrpSpPr/>
+        <p:nvPr/>
+      </p:nvGrpSpPr>
+      <p:grpSpPr>
+        <a:xfrm>
+          <a:off x="0" y="0"/>
+          <a:ext cx="0" cy="0"/>
+          <a:chOff x="0" y="0"/>
+          <a:chExt cx="0" cy="0"/>
+        </a:xfrm>
+      </p:grpSpPr>
+      <p:sp>
+        <p:nvSpPr>
+          <p:cNvPr id="2" name="Title 1"/>
+          <p:cNvSpPr>
+            <a:spLocks noGrp="1"/>
+          </p:cNvSpPr>
+          <p:nvPr>
+            <p:ph type="title"/>
+          </p:nvPr>
+        </p:nvSpPr>
+        <p:spPr/>
+        <p:txBody>
+          <a:bodyPr/>
+          <a:lstStyle/>
+          <a:p>
+            <a:r>
+              <a:rPr lang="en-US" dirty="0" smtClean="0"/>
+              <a:t>Conclusion</a:t>
+            </a:r>
+            <a:endParaRPr lang="en-US" dirty="0"/>
+          </a:p>
+        </p:txBody>
+      </p:sp>
+      <p:sp>
+        <p:nvSpPr>
+          <p:cNvPr id="3" name="Content Placeholder 2"/>
+          <p:cNvSpPr>
+            <a:spLocks noGrp="1"/>
+          </p:cNvSpPr>
+          <p:nvPr>
+            <p:ph idx="1"/>
+          </p:nvPr>
+        </p:nvSpPr>
+        <p:spPr/>
+        <p:txBody>
+          <a:bodyPr/>
+          <a:lstStyle/>
+          <a:p>
+            <a:r>
+              <a:rPr lang="en-US" dirty="0" smtClean="0"/>
+              <a:t>Clustering </a:t>
+            </a:r>
+            <a:r>
+              <a:rPr lang="en-US" dirty="0" smtClean="0"/>
+              <a:t>using </a:t>
+            </a:r>
+            <a:r>
+              <a:rPr lang="en-US" dirty="0" smtClean="0"/>
+              <a:t>venue information from Foursquare can potentially guide decisions on where to open up a </a:t>
+            </a:r>
+            <a:r>
+              <a:rPr lang="en-US" dirty="0" smtClean="0"/>
+              <a:t>new </a:t>
+            </a:r>
+            <a:r>
+              <a:rPr lang="en-US" dirty="0" err="1" smtClean="0"/>
+              <a:t>restautrant</a:t>
+            </a:r>
+            <a:r>
+              <a:rPr lang="en-US" dirty="0" smtClean="0"/>
+              <a:t> or to find popular place. </a:t>
+            </a:r>
+          </a:p>
+          <a:p>
+            <a:endParaRPr lang="en-US" dirty="0" smtClean="0"/>
+          </a:p>
+          <a:p>
+            <a:r>
+              <a:rPr lang="en-US" dirty="0" smtClean="0"/>
+              <a:t>As </a:t>
+            </a:r>
+            <a:r>
+              <a:rPr lang="en-US" dirty="0" err="1" smtClean="0"/>
+              <a:t>neighbourhoods</a:t>
+            </a:r>
+            <a:r>
+              <a:rPr lang="en-US" dirty="0" smtClean="0"/>
+              <a:t> evolve, this process would need to be repeated to identify updated </a:t>
+            </a:r>
+            <a:r>
+              <a:rPr lang="en-US" dirty="0" smtClean="0"/>
+              <a:t>visiting information.</a:t>
+            </a:r>
+          </a:p>
+          <a:p>
+            <a:endParaRPr lang="en-US" dirty="0" smtClean="0"/>
+          </a:p>
+          <a:p>
+            <a:r>
+              <a:rPr lang="en-US" dirty="0" smtClean="0"/>
+              <a:t>Demographic data could also help paint a clearer picture.</a:t>
+            </a:r>
+            <a:endParaRPr lang="en-US" dirty="0"/>
+          </a:p>
+        </p:txBody>
+      </p:sp>
+    </p:spTree>
+    <p:extLst>
+      <p:ext uri="{BB962C8B-B14F-4D97-AF65-F5344CB8AC3E}">
+        <p14:creationId xmlns:p14="http://schemas.microsoft.com/office/powerpoint/2010/main" val="769845593"/>
+      </p:ext>
+    </p:extLst>
+  </p:cSld>
+  <p:clrMapOvr>
+    <a:masterClrMapping/>
+  </p:clrMapOvr>
+</p:sld>
+</file>
+
 <file path=ppt/slides/slide2.xml><?xml version="1.0" encoding="utf-8"?>
 <p:sld xmlns:a="http://schemas.openxmlformats.org/drawingml/2006/main" xmlns:r="http://schemas.openxmlformats.org/officeDocument/2006/relationships" xmlns:p="http://schemas.openxmlformats.org/presentationml/2006/main">
   <p:cSld>
@@ -3094,7 +3224,15 @@
           <a:p>
             <a:r>
               <a:rPr lang="en-US" dirty="0"/>
-              <a:t>If I want to open a new restaurant or want to go to popular place </a:t>
+              <a:t>If I want to open a new restaurant or want to go to </a:t>
+            </a:r>
+            <a:r>
+              <a:rPr lang="en-US" dirty="0" smtClean="0"/>
+              <a:t>a popular </a:t>
+            </a:r>
+            <a:r>
+              <a:rPr lang="en-US" dirty="0"/>
+              <a:t>place </a:t>
             </a:r>
             <a:r>
               <a:rPr lang="en-US" dirty="0" smtClean="0"/>
@@ -3191,15 +3329,7 @@
           <a:p>
             <a:r>
               <a:rPr lang="en-US" dirty="0" smtClean="0"/>
-              <a:t>Venues </a:t>
-            </a:r>
-            <a:r>
-              <a:rPr lang="en-US" dirty="0" smtClean="0"/>
-              <a:t>in </a:t>
-            </a:r>
-            <a:r>
-              <a:rPr lang="en-US" dirty="0" smtClean="0"/>
-              <a:t>Toronto</a:t>
+              <a:t>Venues in Toronto</a:t>
             </a:r>
           </a:p>
           <a:p>
@@ -3301,8 +3431,46 @@
             </a:r>
             <a:r>
               <a:rPr lang="en-AU" dirty="0" smtClean="0"/>
-              <a:t>the number of people’s visit</a:t>
-            </a:r>
+              <a:t>the number of people’s </a:t>
+            </a:r>
+            <a:r>
+              <a:rPr lang="en-AU" dirty="0" smtClean="0"/>
+              <a:t>visit</a:t>
+            </a:r>
+          </a:p>
+          <a:p>
+            <a:pPr lvl="0"/>
+            <a:r>
+              <a:rPr lang="en-AU" dirty="0"/>
+              <a:t>Data acquisition and cleansing</a:t>
+            </a:r>
+            <a:endParaRPr lang="ru-RU" dirty="0"/>
+          </a:p>
+          <a:p>
+            <a:pPr lvl="0"/>
+            <a:r>
+              <a:rPr lang="en-AU" dirty="0"/>
+              <a:t>Data preparation</a:t>
+            </a:r>
+            <a:endParaRPr lang="ru-RU" dirty="0"/>
+          </a:p>
+          <a:p>
+            <a:pPr lvl="0"/>
+            <a:r>
+              <a:rPr lang="en-AU" dirty="0"/>
+              <a:t>Feature selection</a:t>
+            </a:r>
+            <a:endParaRPr lang="ru-RU" dirty="0"/>
+          </a:p>
+          <a:p>
+            <a:pPr lvl="0"/>
+            <a:r>
+              <a:rPr lang="en-AU" dirty="0"/>
+              <a:t>Clustering</a:t>
+            </a:r>
+            <a:endParaRPr lang="ru-RU" dirty="0"/>
+          </a:p>
+          <a:p>
             <a:endParaRPr lang="en-AU" dirty="0" smtClean="0"/>
           </a:p>
         </p:txBody>
@@ -3356,6 +3524,13 @@
               <a:rPr lang="en-US" dirty="0" smtClean="0"/>
               <a:t>Results</a:t>
             </a:r>
+            <a:br>
+              <a:rPr lang="en-US" dirty="0" smtClean="0"/>
+            </a:br>
+            <a:r>
+              <a:rPr lang="en-US" dirty="0" smtClean="0"/>
+              <a:t>Most common venues</a:t>
+            </a:r>
             <a:endParaRPr lang="en-US" dirty="0"/>
           </a:p>
         </p:txBody>
@@ -3379,16 +3554,45 @@
               <a:rPr lang="en-US" dirty="0" smtClean="0"/>
               <a:t>Neighborhood were divide clustered into 5 five different groups</a:t>
             </a:r>
+          </a:p>
+          <a:p>
             <a:endParaRPr lang="en-US" dirty="0" smtClean="0"/>
           </a:p>
           <a:p>
-            <a:endParaRPr lang="en-US" dirty="0" smtClean="0"/>
-          </a:p>
-          <a:p>
             <a:endParaRPr lang="en-US" dirty="0"/>
           </a:p>
         </p:txBody>
       </p:sp>
+      <p:pic>
+        <p:nvPicPr>
+          <p:cNvPr id="4" name="Изображение 3"/>
+          <p:cNvPicPr>
+            <a:picLocks noChangeAspect="1"/>
+          </p:cNvPicPr>
+          <p:nvPr/>
+        </p:nvPicPr>
+        <p:blipFill>
+          <a:blip r:embed="rId2">
+            <a:extLst>
+              <a:ext uri="{28A0092B-C50C-407E-A947-70E740481C1C}">
+                <a14:useLocalDpi xmlns:a14="http://schemas.microsoft.com/office/drawing/2010/main" val="0"/>
+              </a:ext>
+            </a:extLst>
+          </a:blip>
+          <a:stretch>
+            <a:fillRect/>
+          </a:stretch>
+        </p:blipFill>
+        <p:spPr>
+          <a:xfrm>
+            <a:off x="593271" y="1825625"/>
+            <a:ext cx="11288302" cy="3722915"/>
+          </a:xfrm>
+          <a:prstGeom prst="rect">
+            <a:avLst/>
+          </a:prstGeom>
+        </p:spPr>
+      </p:pic>
     </p:spTree>
     <p:extLst>
       <p:ext uri="{BB962C8B-B14F-4D97-AF65-F5344CB8AC3E}">
@@ -3436,21 +3640,54 @@
           <a:p>
             <a:r>
               <a:rPr lang="en-US" dirty="0" smtClean="0"/>
-              <a:t>Map</a:t>
-            </a:r>
+              <a:t>Results</a:t>
+            </a:r>
+            <a:br>
+              <a:rPr lang="en-US" dirty="0" smtClean="0"/>
+            </a:br>
+            <a:r>
+              <a:rPr lang="en-US" dirty="0" smtClean="0"/>
+              <a:t>K-mean clustering. #1</a:t>
+            </a:r>
+            <a:endParaRPr lang="en-US" dirty="0"/>
+          </a:p>
+        </p:txBody>
+      </p:sp>
+      <p:sp>
+        <p:nvSpPr>
+          <p:cNvPr id="3" name="Content Placeholder 2"/>
+          <p:cNvSpPr>
+            <a:spLocks noGrp="1"/>
+          </p:cNvSpPr>
+          <p:nvPr>
+            <p:ph idx="1"/>
+          </p:nvPr>
+        </p:nvSpPr>
+        <p:spPr/>
+        <p:txBody>
+          <a:bodyPr/>
+          <a:lstStyle/>
+          <a:p>
+            <a:r>
+              <a:rPr lang="en-US" dirty="0" smtClean="0"/>
+              <a:t>Neighborhood were divide clustered into 5 five different groups</a:t>
+            </a:r>
+          </a:p>
+          <a:p>
+            <a:endParaRPr lang="en-US" dirty="0" smtClean="0"/>
+          </a:p>
+          <a:p>
             <a:endParaRPr lang="en-US" dirty="0"/>
           </a:p>
         </p:txBody>
       </p:sp>
       <p:pic>
         <p:nvPicPr>
-          <p:cNvPr id="4" name="Content Placeholder 3"/>
+          <p:cNvPr id="5" name="Изображение 4"/>
           <p:cNvPicPr>
-            <a:picLocks noGrp="1" noChangeAspect="1"/>
+            <a:picLocks noChangeAspect="1"/>
           </p:cNvPicPr>
-          <p:nvPr>
-            <p:ph idx="1"/>
-          </p:nvPr>
+          <p:nvPr/>
         </p:nvPicPr>
         <p:blipFill>
           <a:blip r:embed="rId2">
@@ -3467,7 +3704,407 @@
         <p:spPr>
           <a:xfrm>
             <a:off x="838200" y="1690688"/>
-            <a:ext cx="8017042" cy="4041110"/>
+            <a:ext cx="11233654" cy="4269241"/>
+          </a:xfrm>
+          <a:prstGeom prst="rect">
+            <a:avLst/>
+          </a:prstGeom>
+        </p:spPr>
+      </p:pic>
+    </p:spTree>
+    <p:extLst>
+      <p:ext uri="{BB962C8B-B14F-4D97-AF65-F5344CB8AC3E}">
+        <p14:creationId xmlns:p14="http://schemas.microsoft.com/office/powerpoint/2010/main" val="303301550"/>
+      </p:ext>
+    </p:extLst>
+  </p:cSld>
+  <p:clrMapOvr>
+    <a:masterClrMapping/>
+  </p:clrMapOvr>
+</p:sld>
+</file>
+
+<file path=ppt/slides/slide7.xml><?xml version="1.0" encoding="utf-8"?>
+<p:sld xmlns:a="http://schemas.openxmlformats.org/drawingml/2006/main" xmlns:r="http://schemas.openxmlformats.org/officeDocument/2006/relationships" xmlns:p="http://schemas.openxmlformats.org/presentationml/2006/main">
+  <p:cSld>
+    <p:spTree>
+      <p:nvGrpSpPr>
+        <p:cNvPr id="1" name=""/>
+        <p:cNvGrpSpPr/>
+        <p:nvPr/>
+      </p:nvGrpSpPr>
+      <p:grpSpPr>
+        <a:xfrm>
+          <a:off x="0" y="0"/>
+          <a:ext cx="0" cy="0"/>
+          <a:chOff x="0" y="0"/>
+          <a:chExt cx="0" cy="0"/>
+        </a:xfrm>
+      </p:grpSpPr>
+      <p:sp>
+        <p:nvSpPr>
+          <p:cNvPr id="2" name="Title 1"/>
+          <p:cNvSpPr>
+            <a:spLocks noGrp="1"/>
+          </p:cNvSpPr>
+          <p:nvPr>
+            <p:ph type="title"/>
+          </p:nvPr>
+        </p:nvSpPr>
+        <p:spPr/>
+        <p:txBody>
+          <a:bodyPr/>
+          <a:lstStyle/>
+          <a:p>
+            <a:r>
+              <a:rPr lang="en-US" dirty="0" smtClean="0"/>
+              <a:t>Results</a:t>
+            </a:r>
+            <a:br>
+              <a:rPr lang="en-US" dirty="0" smtClean="0"/>
+            </a:br>
+            <a:r>
+              <a:rPr lang="en-US" dirty="0" smtClean="0"/>
+              <a:t>K-mean clustering. #2</a:t>
+            </a:r>
+            <a:endParaRPr lang="en-US" dirty="0"/>
+          </a:p>
+        </p:txBody>
+      </p:sp>
+      <p:pic>
+        <p:nvPicPr>
+          <p:cNvPr id="4" name="Объект 3"/>
+          <p:cNvPicPr>
+            <a:picLocks noGrp="1" noChangeAspect="1"/>
+          </p:cNvPicPr>
+          <p:nvPr>
+            <p:ph idx="1"/>
+          </p:nvPr>
+        </p:nvPicPr>
+        <p:blipFill>
+          <a:blip r:embed="rId2">
+            <a:extLst>
+              <a:ext uri="{28A0092B-C50C-407E-A947-70E740481C1C}">
+                <a14:useLocalDpi xmlns:a14="http://schemas.microsoft.com/office/drawing/2010/main" val="0"/>
+              </a:ext>
+            </a:extLst>
+          </a:blip>
+          <a:stretch>
+            <a:fillRect/>
+          </a:stretch>
+        </p:blipFill>
+        <p:spPr>
+          <a:xfrm>
+            <a:off x="838200" y="2014091"/>
+            <a:ext cx="10775715" cy="2198681"/>
+          </a:xfrm>
+        </p:spPr>
+      </p:pic>
+    </p:spTree>
+    <p:extLst>
+      <p:ext uri="{BB962C8B-B14F-4D97-AF65-F5344CB8AC3E}">
+        <p14:creationId xmlns:p14="http://schemas.microsoft.com/office/powerpoint/2010/main" val="1385182662"/>
+      </p:ext>
+    </p:extLst>
+  </p:cSld>
+  <p:clrMapOvr>
+    <a:masterClrMapping/>
+  </p:clrMapOvr>
+</p:sld>
+</file>
+
+<file path=ppt/slides/slide8.xml><?xml version="1.0" encoding="utf-8"?>
+<p:sld xmlns:a="http://schemas.openxmlformats.org/drawingml/2006/main" xmlns:r="http://schemas.openxmlformats.org/officeDocument/2006/relationships" xmlns:p="http://schemas.openxmlformats.org/presentationml/2006/main">
+  <p:cSld>
+    <p:spTree>
+      <p:nvGrpSpPr>
+        <p:cNvPr id="1" name=""/>
+        <p:cNvGrpSpPr/>
+        <p:nvPr/>
+      </p:nvGrpSpPr>
+      <p:grpSpPr>
+        <a:xfrm>
+          <a:off x="0" y="0"/>
+          <a:ext cx="0" cy="0"/>
+          <a:chOff x="0" y="0"/>
+          <a:chExt cx="0" cy="0"/>
+        </a:xfrm>
+      </p:grpSpPr>
+      <p:pic>
+        <p:nvPicPr>
+          <p:cNvPr id="7" name="Изображение 6"/>
+          <p:cNvPicPr>
+            <a:picLocks noChangeAspect="1"/>
+          </p:cNvPicPr>
+          <p:nvPr/>
+        </p:nvPicPr>
+        <p:blipFill>
+          <a:blip r:embed="rId2">
+            <a:extLst>
+              <a:ext uri="{28A0092B-C50C-407E-A947-70E740481C1C}">
+                <a14:useLocalDpi xmlns:a14="http://schemas.microsoft.com/office/drawing/2010/main" val="0"/>
+              </a:ext>
+            </a:extLst>
+          </a:blip>
+          <a:stretch>
+            <a:fillRect/>
+          </a:stretch>
+        </p:blipFill>
+        <p:spPr>
+          <a:xfrm>
+            <a:off x="838200" y="5412174"/>
+            <a:ext cx="10058400" cy="1192332"/>
+          </a:xfrm>
+          <a:prstGeom prst="rect">
+            <a:avLst/>
+          </a:prstGeom>
+        </p:spPr>
+      </p:pic>
+      <p:pic>
+        <p:nvPicPr>
+          <p:cNvPr id="6" name="Изображение 5"/>
+          <p:cNvPicPr>
+            <a:picLocks noChangeAspect="1"/>
+          </p:cNvPicPr>
+          <p:nvPr/>
+        </p:nvPicPr>
+        <p:blipFill>
+          <a:blip r:embed="rId3">
+            <a:extLst>
+              <a:ext uri="{28A0092B-C50C-407E-A947-70E740481C1C}">
+                <a14:useLocalDpi xmlns:a14="http://schemas.microsoft.com/office/drawing/2010/main" val="0"/>
+              </a:ext>
+            </a:extLst>
+          </a:blip>
+          <a:stretch>
+            <a:fillRect/>
+          </a:stretch>
+        </p:blipFill>
+        <p:spPr>
+          <a:xfrm>
+            <a:off x="838200" y="3605589"/>
+            <a:ext cx="10058400" cy="1159411"/>
+          </a:xfrm>
+          <a:prstGeom prst="rect">
+            <a:avLst/>
+          </a:prstGeom>
+        </p:spPr>
+      </p:pic>
+      <p:pic>
+        <p:nvPicPr>
+          <p:cNvPr id="4" name="Изображение 3"/>
+          <p:cNvPicPr>
+            <a:picLocks noChangeAspect="1"/>
+          </p:cNvPicPr>
+          <p:nvPr/>
+        </p:nvPicPr>
+        <p:blipFill>
+          <a:blip r:embed="rId4">
+            <a:extLst>
+              <a:ext uri="{28A0092B-C50C-407E-A947-70E740481C1C}">
+                <a14:useLocalDpi xmlns:a14="http://schemas.microsoft.com/office/drawing/2010/main" val="0"/>
+              </a:ext>
+            </a:extLst>
+          </a:blip>
+          <a:stretch>
+            <a:fillRect/>
+          </a:stretch>
+        </p:blipFill>
+        <p:spPr>
+          <a:xfrm>
+            <a:off x="838200" y="1781363"/>
+            <a:ext cx="10058400" cy="1054510"/>
+          </a:xfrm>
+          <a:prstGeom prst="rect">
+            <a:avLst/>
+          </a:prstGeom>
+        </p:spPr>
+      </p:pic>
+      <p:sp>
+        <p:nvSpPr>
+          <p:cNvPr id="2" name="Title 1"/>
+          <p:cNvSpPr>
+            <a:spLocks noGrp="1"/>
+          </p:cNvSpPr>
+          <p:nvPr>
+            <p:ph type="title"/>
+          </p:nvPr>
+        </p:nvSpPr>
+        <p:spPr/>
+        <p:txBody>
+          <a:bodyPr/>
+          <a:lstStyle/>
+          <a:p>
+            <a:r>
+              <a:rPr lang="en-US" dirty="0" smtClean="0"/>
+              <a:t>Results</a:t>
+            </a:r>
+            <a:br>
+              <a:rPr lang="en-US" dirty="0" smtClean="0"/>
+            </a:br>
+            <a:r>
+              <a:rPr lang="en-US" dirty="0" smtClean="0"/>
+              <a:t>K-mean clustering. #3</a:t>
+            </a:r>
+            <a:endParaRPr lang="en-US" dirty="0"/>
+          </a:p>
+        </p:txBody>
+      </p:sp>
+      <p:sp>
+        <p:nvSpPr>
+          <p:cNvPr id="3" name="Content Placeholder 2"/>
+          <p:cNvSpPr>
+            <a:spLocks noGrp="1"/>
+          </p:cNvSpPr>
+          <p:nvPr>
+            <p:ph idx="1"/>
+          </p:nvPr>
+        </p:nvSpPr>
+        <p:spPr>
+          <a:xfrm>
+            <a:off x="838200" y="1393639"/>
+            <a:ext cx="10515600" cy="4351338"/>
+          </a:xfrm>
+        </p:spPr>
+        <p:txBody>
+          <a:bodyPr>
+            <a:normAutofit/>
+          </a:bodyPr>
+          <a:lstStyle/>
+          <a:p>
+            <a:endParaRPr lang="en-US" sz="4400" dirty="0"/>
+          </a:p>
+          <a:p>
+            <a:endParaRPr lang="en-US" sz="4400" dirty="0" smtClean="0"/>
+          </a:p>
+          <a:p>
+            <a:pPr marL="0" indent="0">
+              <a:buNone/>
+            </a:pPr>
+            <a:r>
+              <a:rPr lang="en-US" sz="4400" dirty="0"/>
+              <a:t>K-mean clustering. #</a:t>
+            </a:r>
+            <a:r>
+              <a:rPr lang="en-US" sz="4400" dirty="0" smtClean="0"/>
+              <a:t>4</a:t>
+            </a:r>
+            <a:endParaRPr lang="en-US" sz="4400" dirty="0"/>
+          </a:p>
+        </p:txBody>
+      </p:sp>
+      <p:sp>
+        <p:nvSpPr>
+          <p:cNvPr id="8" name="Прямоугольник 7"/>
+          <p:cNvSpPr/>
+          <p:nvPr/>
+        </p:nvSpPr>
+        <p:spPr>
+          <a:xfrm>
+            <a:off x="838200" y="4810044"/>
+            <a:ext cx="5236029" cy="769441"/>
+          </a:xfrm>
+          <a:prstGeom prst="rect">
+            <a:avLst/>
+          </a:prstGeom>
+        </p:spPr>
+        <p:txBody>
+          <a:bodyPr wrap="square">
+            <a:spAutoFit/>
+          </a:bodyPr>
+          <a:lstStyle/>
+          <a:p>
+            <a:r>
+              <a:rPr lang="en-US" sz="4400" dirty="0"/>
+              <a:t>K-mean clustering. </a:t>
+            </a:r>
+            <a:r>
+              <a:rPr lang="en-US" sz="4400" dirty="0" smtClean="0"/>
+              <a:t>#5</a:t>
+            </a:r>
+            <a:endParaRPr lang="en-US" sz="4400" dirty="0"/>
+          </a:p>
+        </p:txBody>
+      </p:sp>
+    </p:spTree>
+    <p:extLst>
+      <p:ext uri="{BB962C8B-B14F-4D97-AF65-F5344CB8AC3E}">
+        <p14:creationId xmlns:p14="http://schemas.microsoft.com/office/powerpoint/2010/main" val="1261213268"/>
+      </p:ext>
+    </p:extLst>
+  </p:cSld>
+  <p:clrMapOvr>
+    <a:masterClrMapping/>
+  </p:clrMapOvr>
+</p:sld>
+</file>
+
+<file path=ppt/slides/slide9.xml><?xml version="1.0" encoding="utf-8"?>
+<p:sld xmlns:a="http://schemas.openxmlformats.org/drawingml/2006/main" xmlns:r="http://schemas.openxmlformats.org/officeDocument/2006/relationships" xmlns:p="http://schemas.openxmlformats.org/presentationml/2006/main">
+  <p:cSld>
+    <p:spTree>
+      <p:nvGrpSpPr>
+        <p:cNvPr id="1" name=""/>
+        <p:cNvGrpSpPr/>
+        <p:nvPr/>
+      </p:nvGrpSpPr>
+      <p:grpSpPr>
+        <a:xfrm>
+          <a:off x="0" y="0"/>
+          <a:ext cx="0" cy="0"/>
+          <a:chOff x="0" y="0"/>
+          <a:chExt cx="0" cy="0"/>
+        </a:xfrm>
+      </p:grpSpPr>
+      <p:sp>
+        <p:nvSpPr>
+          <p:cNvPr id="2" name="Title 1"/>
+          <p:cNvSpPr>
+            <a:spLocks noGrp="1"/>
+          </p:cNvSpPr>
+          <p:nvPr>
+            <p:ph type="title"/>
+          </p:nvPr>
+        </p:nvSpPr>
+        <p:spPr/>
+        <p:txBody>
+          <a:bodyPr/>
+          <a:lstStyle/>
+          <a:p>
+            <a:r>
+              <a:rPr lang="en-US" dirty="0" smtClean="0"/>
+              <a:t>Map of K-mean clustering</a:t>
+            </a:r>
+            <a:endParaRPr lang="en-US" dirty="0"/>
+          </a:p>
+        </p:txBody>
+      </p:sp>
+      <p:pic>
+        <p:nvPicPr>
+          <p:cNvPr id="4" name="Content Placeholder 3"/>
+          <p:cNvPicPr>
+            <a:picLocks noGrp="1" noChangeAspect="1"/>
+          </p:cNvPicPr>
+          <p:nvPr>
+            <p:ph idx="1"/>
+          </p:nvPr>
+        </p:nvPicPr>
+        <p:blipFill>
+          <a:blip r:embed="rId2">
+            <a:extLst>
+              <a:ext uri="{28A0092B-C50C-407E-A947-70E740481C1C}">
+                <a14:useLocalDpi xmlns:a14="http://schemas.microsoft.com/office/drawing/2010/main" val="0"/>
+              </a:ext>
+            </a:extLst>
+          </a:blip>
+          <a:stretch>
+            <a:fillRect/>
+          </a:stretch>
+        </p:blipFill>
+        <p:spPr>
+          <a:xfrm>
+            <a:off x="838199" y="1690688"/>
+            <a:ext cx="9318171" cy="4696964"/>
           </a:xfrm>
         </p:spPr>
       </p:pic>
